--- a/fig/typical_projection_system.pptx
+++ b/fig/typical_projection_system.pptx
@@ -104,6 +104,11 @@
       </a:defRPr>
     </a:lvl9pPr>
   </p:defaultTextStyle>
+  <p:extLst>
+    <p:ext uri="{EFAFB233-063F-42B5-8137-9DF3F51BA10A}">
+      <p15:sldGuideLst xmlns:p15="http://schemas.microsoft.com/office/powerpoint/2012/main"/>
+    </p:ext>
+  </p:extLst>
 </p:presentation>
 </file>
 
@@ -254,7 +259,7 @@
           <a:p>
             <a:fld id="{5DC56E2A-AD1A-46AE-8FBF-9444BD559EBF}" type="datetimeFigureOut">
               <a:rPr lang="en-US" smtClean="0"/>
-              <a:t>2/20/2020</a:t>
+              <a:t>3/21/2020</a:t>
             </a:fld>
             <a:endParaRPr lang="en-US"/>
           </a:p>
@@ -452,7 +457,7 @@
           <a:p>
             <a:fld id="{5DC56E2A-AD1A-46AE-8FBF-9444BD559EBF}" type="datetimeFigureOut">
               <a:rPr lang="en-US" smtClean="0"/>
-              <a:t>2/20/2020</a:t>
+              <a:t>3/21/2020</a:t>
             </a:fld>
             <a:endParaRPr lang="en-US"/>
           </a:p>
@@ -660,7 +665,7 @@
           <a:p>
             <a:fld id="{5DC56E2A-AD1A-46AE-8FBF-9444BD559EBF}" type="datetimeFigureOut">
               <a:rPr lang="en-US" smtClean="0"/>
-              <a:t>2/20/2020</a:t>
+              <a:t>3/21/2020</a:t>
             </a:fld>
             <a:endParaRPr lang="en-US"/>
           </a:p>
@@ -858,7 +863,7 @@
           <a:p>
             <a:fld id="{5DC56E2A-AD1A-46AE-8FBF-9444BD559EBF}" type="datetimeFigureOut">
               <a:rPr lang="en-US" smtClean="0"/>
-              <a:t>2/20/2020</a:t>
+              <a:t>3/21/2020</a:t>
             </a:fld>
             <a:endParaRPr lang="en-US"/>
           </a:p>
@@ -1133,7 +1138,7 @@
           <a:p>
             <a:fld id="{5DC56E2A-AD1A-46AE-8FBF-9444BD559EBF}" type="datetimeFigureOut">
               <a:rPr lang="en-US" smtClean="0"/>
-              <a:t>2/20/2020</a:t>
+              <a:t>3/21/2020</a:t>
             </a:fld>
             <a:endParaRPr lang="en-US"/>
           </a:p>
@@ -1398,7 +1403,7 @@
           <a:p>
             <a:fld id="{5DC56E2A-AD1A-46AE-8FBF-9444BD559EBF}" type="datetimeFigureOut">
               <a:rPr lang="en-US" smtClean="0"/>
-              <a:t>2/20/2020</a:t>
+              <a:t>3/21/2020</a:t>
             </a:fld>
             <a:endParaRPr lang="en-US"/>
           </a:p>
@@ -1810,7 +1815,7 @@
           <a:p>
             <a:fld id="{5DC56E2A-AD1A-46AE-8FBF-9444BD559EBF}" type="datetimeFigureOut">
               <a:rPr lang="en-US" smtClean="0"/>
-              <a:t>2/20/2020</a:t>
+              <a:t>3/21/2020</a:t>
             </a:fld>
             <a:endParaRPr lang="en-US"/>
           </a:p>
@@ -1951,7 +1956,7 @@
           <a:p>
             <a:fld id="{5DC56E2A-AD1A-46AE-8FBF-9444BD559EBF}" type="datetimeFigureOut">
               <a:rPr lang="en-US" smtClean="0"/>
-              <a:t>2/20/2020</a:t>
+              <a:t>3/21/2020</a:t>
             </a:fld>
             <a:endParaRPr lang="en-US"/>
           </a:p>
@@ -2064,7 +2069,7 @@
           <a:p>
             <a:fld id="{5DC56E2A-AD1A-46AE-8FBF-9444BD559EBF}" type="datetimeFigureOut">
               <a:rPr lang="en-US" smtClean="0"/>
-              <a:t>2/20/2020</a:t>
+              <a:t>3/21/2020</a:t>
             </a:fld>
             <a:endParaRPr lang="en-US"/>
           </a:p>
@@ -2375,7 +2380,7 @@
           <a:p>
             <a:fld id="{5DC56E2A-AD1A-46AE-8FBF-9444BD559EBF}" type="datetimeFigureOut">
               <a:rPr lang="en-US" smtClean="0"/>
-              <a:t>2/20/2020</a:t>
+              <a:t>3/21/2020</a:t>
             </a:fld>
             <a:endParaRPr lang="en-US"/>
           </a:p>
@@ -2663,7 +2668,7 @@
           <a:p>
             <a:fld id="{5DC56E2A-AD1A-46AE-8FBF-9444BD559EBF}" type="datetimeFigureOut">
               <a:rPr lang="en-US" smtClean="0"/>
-              <a:t>2/20/2020</a:t>
+              <a:t>3/21/2020</a:t>
             </a:fld>
             <a:endParaRPr lang="en-US"/>
           </a:p>
@@ -2904,7 +2909,7 @@
           <a:p>
             <a:fld id="{5DC56E2A-AD1A-46AE-8FBF-9444BD559EBF}" type="datetimeFigureOut">
               <a:rPr lang="en-US" smtClean="0"/>
-              <a:t>2/20/2020</a:t>
+              <a:t>3/21/2020</a:t>
             </a:fld>
             <a:endParaRPr lang="en-US"/>
           </a:p>
@@ -3329,24 +3334,34 @@
         </p:nvSpPr>
         <p:spPr>
           <a:xfrm>
-            <a:off x="1330563" y="4292927"/>
+            <a:off x="342078" y="4317311"/>
             <a:ext cx="1291221" cy="1176221"/>
           </a:xfrm>
           <a:prstGeom prst="rect">
             <a:avLst/>
           </a:prstGeom>
+          <a:solidFill>
+            <a:schemeClr val="accent5"/>
+          </a:solidFill>
+          <a:ln w="38100">
+            <a:solidFill>
+              <a:schemeClr val="accent1">
+                <a:lumMod val="50000"/>
+              </a:schemeClr>
+            </a:solidFill>
+          </a:ln>
         </p:spPr>
         <p:style>
           <a:lnRef idx="2">
-            <a:schemeClr val="accent4">
+            <a:schemeClr val="accent1">
               <a:shade val="50000"/>
             </a:schemeClr>
           </a:lnRef>
           <a:fillRef idx="1">
-            <a:schemeClr val="accent4"/>
+            <a:schemeClr val="accent1"/>
           </a:fillRef>
           <a:effectRef idx="0">
-            <a:schemeClr val="accent4"/>
+            <a:schemeClr val="accent1"/>
           </a:effectRef>
           <a:fontRef idx="minor">
             <a:schemeClr val="lt1"/>
@@ -3358,7 +3373,11 @@
           <a:p>
             <a:pPr algn="ctr"/>
             <a:r>
-              <a:rPr lang="en-US" dirty="0"/>
+              <a:rPr lang="en-US" dirty="0">
+                <a:solidFill>
+                  <a:schemeClr val="tx1"/>
+                </a:solidFill>
+              </a:rPr>
               <a:t>Scene-Generation</a:t>
             </a:r>
           </a:p>
@@ -3372,24 +3391,34 @@
         </p:nvSpPr>
         <p:spPr>
           <a:xfrm>
-            <a:off x="3435918" y="4292926"/>
+            <a:off x="2447433" y="4317310"/>
             <a:ext cx="1291221" cy="1176222"/>
           </a:xfrm>
           <a:prstGeom prst="rect">
             <a:avLst/>
           </a:prstGeom>
+          <a:solidFill>
+            <a:schemeClr val="accent6"/>
+          </a:solidFill>
+          <a:ln w="38100">
+            <a:solidFill>
+              <a:schemeClr val="accent6">
+                <a:lumMod val="50000"/>
+              </a:schemeClr>
+            </a:solidFill>
+          </a:ln>
         </p:spPr>
         <p:style>
           <a:lnRef idx="2">
-            <a:schemeClr val="accent3">
+            <a:schemeClr val="accent1">
               <a:shade val="50000"/>
             </a:schemeClr>
           </a:lnRef>
           <a:fillRef idx="1">
-            <a:schemeClr val="accent3"/>
+            <a:schemeClr val="accent1"/>
           </a:fillRef>
           <a:effectRef idx="0">
-            <a:schemeClr val="accent3"/>
+            <a:schemeClr val="accent1"/>
           </a:effectRef>
           <a:fontRef idx="minor">
             <a:schemeClr val="lt1"/>
@@ -3401,7 +3430,11 @@
           <a:p>
             <a:pPr algn="ctr"/>
             <a:r>
-              <a:rPr lang="en-US" dirty="0"/>
+              <a:rPr lang="en-US" dirty="0">
+                <a:solidFill>
+                  <a:schemeClr val="tx1"/>
+                </a:solidFill>
+              </a:rPr>
               <a:t>Non-Uniformity Correction</a:t>
             </a:r>
           </a:p>
@@ -3415,24 +3448,34 @@
         </p:nvSpPr>
         <p:spPr>
           <a:xfrm>
-            <a:off x="5509358" y="4292926"/>
+            <a:off x="4520873" y="4317310"/>
             <a:ext cx="1291220" cy="1176222"/>
           </a:xfrm>
           <a:prstGeom prst="rect">
             <a:avLst/>
           </a:prstGeom>
+          <a:solidFill>
+            <a:schemeClr val="accent4"/>
+          </a:solidFill>
+          <a:ln w="41275">
+            <a:solidFill>
+              <a:schemeClr val="accent4">
+                <a:lumMod val="50000"/>
+              </a:schemeClr>
+            </a:solidFill>
+          </a:ln>
         </p:spPr>
         <p:style>
           <a:lnRef idx="2">
-            <a:schemeClr val="accent2">
+            <a:schemeClr val="accent1">
               <a:shade val="50000"/>
             </a:schemeClr>
           </a:lnRef>
           <a:fillRef idx="1">
-            <a:schemeClr val="accent2"/>
+            <a:schemeClr val="accent1"/>
           </a:fillRef>
           <a:effectRef idx="0">
-            <a:schemeClr val="accent2"/>
+            <a:schemeClr val="accent1"/>
           </a:effectRef>
           <a:fontRef idx="minor">
             <a:schemeClr val="lt1"/>
@@ -3444,9 +3487,26 @@
           <a:p>
             <a:pPr algn="ctr"/>
             <a:r>
-              <a:rPr lang="en-US" dirty="0"/>
-              <a:t>Projection</a:t>
-            </a:r>
+              <a:rPr lang="en-US" dirty="0">
+                <a:solidFill>
+                  <a:schemeClr val="tx1"/>
+                </a:solidFill>
+              </a:rPr>
+              <a:t>Digital to </a:t>
+            </a:r>
+            <a:r>
+              <a:rPr lang="en-US">
+                <a:solidFill>
+                  <a:schemeClr val="tx1"/>
+                </a:solidFill>
+              </a:rPr>
+              <a:t>Analog Conversion</a:t>
+            </a:r>
+            <a:endParaRPr lang="en-US" dirty="0">
+              <a:solidFill>
+                <a:schemeClr val="tx1"/>
+              </a:solidFill>
+            </a:endParaRPr>
           </a:p>
         </p:txBody>
       </p:sp>
@@ -3458,7 +3518,7 @@
         </p:nvSpPr>
         <p:spPr>
           <a:xfrm>
-            <a:off x="2728229" y="4640405"/>
+            <a:off x="1739744" y="4664789"/>
             <a:ext cx="601579" cy="481263"/>
           </a:xfrm>
           <a:prstGeom prst="rightArrow">
@@ -3498,7 +3558,7 @@
         </p:nvSpPr>
         <p:spPr>
           <a:xfrm>
-            <a:off x="4817459" y="4596517"/>
+            <a:off x="3828974" y="4620901"/>
             <a:ext cx="601579" cy="481263"/>
           </a:xfrm>
           <a:prstGeom prst="rightArrow">
@@ -3538,7 +3598,7 @@
         </p:nvSpPr>
         <p:spPr>
           <a:xfrm>
-            <a:off x="1550023" y="3993961"/>
+            <a:off x="586889" y="4018344"/>
             <a:ext cx="804003" cy="369332"/>
           </a:xfrm>
           <a:prstGeom prst="rect">
@@ -3567,7 +3627,7 @@
         </p:nvSpPr>
         <p:spPr>
           <a:xfrm>
-            <a:off x="5730161" y="3993960"/>
+            <a:off x="4764481" y="4018344"/>
             <a:ext cx="804003" cy="369332"/>
           </a:xfrm>
           <a:prstGeom prst="rect">
@@ -3596,7 +3656,7 @@
         </p:nvSpPr>
         <p:spPr>
           <a:xfrm>
-            <a:off x="3640092" y="3993960"/>
+            <a:off x="2696231" y="4018344"/>
             <a:ext cx="804003" cy="369332"/>
           </a:xfrm>
           <a:prstGeom prst="rect">
@@ -3640,7 +3700,7 @@
         </p:blipFill>
         <p:spPr bwMode="auto">
           <a:xfrm>
-            <a:off x="7537186" y="2931101"/>
+            <a:off x="8335203" y="3018444"/>
             <a:ext cx="3667125" cy="3686176"/>
           </a:xfrm>
           <a:prstGeom prst="rect">
@@ -3666,7 +3726,151 @@
         </p:nvSpPr>
         <p:spPr>
           <a:xfrm>
-            <a:off x="8968746" y="2511891"/>
+            <a:off x="9766763" y="2733192"/>
+            <a:ext cx="804003" cy="369332"/>
+          </a:xfrm>
+          <a:prstGeom prst="rect">
+            <a:avLst/>
+          </a:prstGeom>
+          <a:noFill/>
+        </p:spPr>
+        <p:txBody>
+          <a:bodyPr wrap="none" rtlCol="0">
+            <a:spAutoFit/>
+          </a:bodyPr>
+          <a:lstStyle/>
+          <a:p>
+            <a:r>
+              <a:rPr lang="en-US" dirty="0"/>
+              <a:t>100hz</a:t>
+            </a:r>
+          </a:p>
+        </p:txBody>
+      </p:sp>
+      <p:sp>
+        <p:nvSpPr>
+          <p:cNvPr id="15" name="Rectangle 14">
+            <a:extLst>
+              <a:ext uri="{FF2B5EF4-FFF2-40B4-BE49-F238E27FC236}">
+                <a16:creationId xmlns:a16="http://schemas.microsoft.com/office/drawing/2014/main" id="{ECD34F0D-2057-410E-983B-48D8DB68F22B}"/>
+              </a:ext>
+            </a:extLst>
+          </p:cNvPr>
+          <p:cNvSpPr/>
+          <p:nvPr/>
+        </p:nvSpPr>
+        <p:spPr>
+          <a:xfrm>
+            <a:off x="6724795" y="4317310"/>
+            <a:ext cx="1291220" cy="1176222"/>
+          </a:xfrm>
+          <a:prstGeom prst="rect">
+            <a:avLst/>
+          </a:prstGeom>
+          <a:solidFill>
+            <a:schemeClr val="accent3"/>
+          </a:solidFill>
+          <a:ln w="41275">
+            <a:solidFill>
+              <a:schemeClr val="accent3">
+                <a:lumMod val="50000"/>
+              </a:schemeClr>
+            </a:solidFill>
+          </a:ln>
+        </p:spPr>
+        <p:style>
+          <a:lnRef idx="2">
+            <a:schemeClr val="accent1">
+              <a:shade val="50000"/>
+            </a:schemeClr>
+          </a:lnRef>
+          <a:fillRef idx="1">
+            <a:schemeClr val="accent1"/>
+          </a:fillRef>
+          <a:effectRef idx="0">
+            <a:schemeClr val="accent1"/>
+          </a:effectRef>
+          <a:fontRef idx="minor">
+            <a:schemeClr val="lt1"/>
+          </a:fontRef>
+        </p:style>
+        <p:txBody>
+          <a:bodyPr rtlCol="0" anchor="ctr"/>
+          <a:lstStyle/>
+          <a:p>
+            <a:pPr algn="ctr"/>
+            <a:r>
+              <a:rPr lang="en-US" dirty="0">
+                <a:solidFill>
+                  <a:schemeClr val="tx1"/>
+                </a:solidFill>
+              </a:rPr>
+              <a:t>Projection</a:t>
+            </a:r>
+          </a:p>
+        </p:txBody>
+      </p:sp>
+      <p:sp>
+        <p:nvSpPr>
+          <p:cNvPr id="17" name="Right Arrow 10">
+            <a:extLst>
+              <a:ext uri="{FF2B5EF4-FFF2-40B4-BE49-F238E27FC236}">
+                <a16:creationId xmlns:a16="http://schemas.microsoft.com/office/drawing/2014/main" id="{66B38E07-8F96-4724-8682-F48571236948}"/>
+              </a:ext>
+            </a:extLst>
+          </p:cNvPr>
+          <p:cNvSpPr/>
+          <p:nvPr/>
+        </p:nvSpPr>
+        <p:spPr>
+          <a:xfrm>
+            <a:off x="6032896" y="4620901"/>
+            <a:ext cx="601579" cy="481263"/>
+          </a:xfrm>
+          <a:prstGeom prst="rightArrow">
+            <a:avLst/>
+          </a:prstGeom>
+        </p:spPr>
+        <p:style>
+          <a:lnRef idx="2">
+            <a:schemeClr val="accent5">
+              <a:shade val="50000"/>
+            </a:schemeClr>
+          </a:lnRef>
+          <a:fillRef idx="1">
+            <a:schemeClr val="accent5"/>
+          </a:fillRef>
+          <a:effectRef idx="0">
+            <a:schemeClr val="accent5"/>
+          </a:effectRef>
+          <a:fontRef idx="minor">
+            <a:schemeClr val="lt1"/>
+          </a:fontRef>
+        </p:style>
+        <p:txBody>
+          <a:bodyPr rtlCol="0" anchor="ctr"/>
+          <a:lstStyle/>
+          <a:p>
+            <a:pPr algn="ctr"/>
+            <a:endParaRPr lang="en-US"/>
+          </a:p>
+        </p:txBody>
+      </p:sp>
+      <p:sp>
+        <p:nvSpPr>
+          <p:cNvPr id="18" name="TextBox 17">
+            <a:extLst>
+              <a:ext uri="{FF2B5EF4-FFF2-40B4-BE49-F238E27FC236}">
+                <a16:creationId xmlns:a16="http://schemas.microsoft.com/office/drawing/2014/main" id="{2A867FEC-9195-4031-8D68-A10E8624ADEE}"/>
+              </a:ext>
+            </a:extLst>
+          </p:cNvPr>
+          <p:cNvSpPr txBox="1"/>
+          <p:nvPr/>
+        </p:nvSpPr>
+        <p:spPr>
+          <a:xfrm>
+            <a:off x="6968403" y="4018344"/>
             <a:ext cx="804003" cy="369332"/>
           </a:xfrm>
           <a:prstGeom prst="rect">

--- a/fig/typical_projection_system.pptx
+++ b/fig/typical_projection_system.pptx
@@ -259,7 +259,7 @@
           <a:p>
             <a:fld id="{5DC56E2A-AD1A-46AE-8FBF-9444BD559EBF}" type="datetimeFigureOut">
               <a:rPr lang="en-US" smtClean="0"/>
-              <a:t>3/21/2020</a:t>
+              <a:t>11/12/2020</a:t>
             </a:fld>
             <a:endParaRPr lang="en-US"/>
           </a:p>
@@ -457,7 +457,7 @@
           <a:p>
             <a:fld id="{5DC56E2A-AD1A-46AE-8FBF-9444BD559EBF}" type="datetimeFigureOut">
               <a:rPr lang="en-US" smtClean="0"/>
-              <a:t>3/21/2020</a:t>
+              <a:t>11/12/2020</a:t>
             </a:fld>
             <a:endParaRPr lang="en-US"/>
           </a:p>
@@ -665,7 +665,7 @@
           <a:p>
             <a:fld id="{5DC56E2A-AD1A-46AE-8FBF-9444BD559EBF}" type="datetimeFigureOut">
               <a:rPr lang="en-US" smtClean="0"/>
-              <a:t>3/21/2020</a:t>
+              <a:t>11/12/2020</a:t>
             </a:fld>
             <a:endParaRPr lang="en-US"/>
           </a:p>
@@ -863,7 +863,7 @@
           <a:p>
             <a:fld id="{5DC56E2A-AD1A-46AE-8FBF-9444BD559EBF}" type="datetimeFigureOut">
               <a:rPr lang="en-US" smtClean="0"/>
-              <a:t>3/21/2020</a:t>
+              <a:t>11/12/2020</a:t>
             </a:fld>
             <a:endParaRPr lang="en-US"/>
           </a:p>
@@ -1138,7 +1138,7 @@
           <a:p>
             <a:fld id="{5DC56E2A-AD1A-46AE-8FBF-9444BD559EBF}" type="datetimeFigureOut">
               <a:rPr lang="en-US" smtClean="0"/>
-              <a:t>3/21/2020</a:t>
+              <a:t>11/12/2020</a:t>
             </a:fld>
             <a:endParaRPr lang="en-US"/>
           </a:p>
@@ -1403,7 +1403,7 @@
           <a:p>
             <a:fld id="{5DC56E2A-AD1A-46AE-8FBF-9444BD559EBF}" type="datetimeFigureOut">
               <a:rPr lang="en-US" smtClean="0"/>
-              <a:t>3/21/2020</a:t>
+              <a:t>11/12/2020</a:t>
             </a:fld>
             <a:endParaRPr lang="en-US"/>
           </a:p>
@@ -1815,7 +1815,7 @@
           <a:p>
             <a:fld id="{5DC56E2A-AD1A-46AE-8FBF-9444BD559EBF}" type="datetimeFigureOut">
               <a:rPr lang="en-US" smtClean="0"/>
-              <a:t>3/21/2020</a:t>
+              <a:t>11/12/2020</a:t>
             </a:fld>
             <a:endParaRPr lang="en-US"/>
           </a:p>
@@ -1956,7 +1956,7 @@
           <a:p>
             <a:fld id="{5DC56E2A-AD1A-46AE-8FBF-9444BD559EBF}" type="datetimeFigureOut">
               <a:rPr lang="en-US" smtClean="0"/>
-              <a:t>3/21/2020</a:t>
+              <a:t>11/12/2020</a:t>
             </a:fld>
             <a:endParaRPr lang="en-US"/>
           </a:p>
@@ -2069,7 +2069,7 @@
           <a:p>
             <a:fld id="{5DC56E2A-AD1A-46AE-8FBF-9444BD559EBF}" type="datetimeFigureOut">
               <a:rPr lang="en-US" smtClean="0"/>
-              <a:t>3/21/2020</a:t>
+              <a:t>11/12/2020</a:t>
             </a:fld>
             <a:endParaRPr lang="en-US"/>
           </a:p>
@@ -2380,7 +2380,7 @@
           <a:p>
             <a:fld id="{5DC56E2A-AD1A-46AE-8FBF-9444BD559EBF}" type="datetimeFigureOut">
               <a:rPr lang="en-US" smtClean="0"/>
-              <a:t>3/21/2020</a:t>
+              <a:t>11/12/2020</a:t>
             </a:fld>
             <a:endParaRPr lang="en-US"/>
           </a:p>
@@ -2668,7 +2668,7 @@
           <a:p>
             <a:fld id="{5DC56E2A-AD1A-46AE-8FBF-9444BD559EBF}" type="datetimeFigureOut">
               <a:rPr lang="en-US" smtClean="0"/>
-              <a:t>3/21/2020</a:t>
+              <a:t>11/12/2020</a:t>
             </a:fld>
             <a:endParaRPr lang="en-US"/>
           </a:p>
@@ -2909,7 +2909,7 @@
           <a:p>
             <a:fld id="{5DC56E2A-AD1A-46AE-8FBF-9444BD559EBF}" type="datetimeFigureOut">
               <a:rPr lang="en-US" smtClean="0"/>
-              <a:t>3/21/2020</a:t>
+              <a:t>11/12/2020</a:t>
             </a:fld>
             <a:endParaRPr lang="en-US"/>
           </a:p>
@@ -3437,6 +3437,19 @@
               </a:rPr>
               <a:t>Non-Uniformity Correction</a:t>
             </a:r>
+            <a:r>
+              <a:rPr lang="en-US">
+                <a:solidFill>
+                  <a:schemeClr val="tx1"/>
+                </a:solidFill>
+              </a:rPr>
+              <a:t>/ Reordering</a:t>
+            </a:r>
+            <a:endParaRPr lang="en-US" dirty="0">
+              <a:solidFill>
+                <a:schemeClr val="tx1"/>
+              </a:solidFill>
+            </a:endParaRPr>
           </a:p>
         </p:txBody>
       </p:sp>
